--- a/Tasks/Uziel_Lopez/One_pager_ListaUA.pptx
+++ b/Tasks/Uziel_Lopez/One_pager_ListaUA.pptx
@@ -6316,12 +6316,12 @@
           <a:chExt cx="0" cy="0"/>
         </a:xfrm>
       </p:grpSpPr>
-      <p:sp>
-        <p:nvSpPr>
-          <p:cNvPr id="14" name="Rectangle 13">
+      <p:sp useBgFill="1">
+        <p:nvSpPr>
+          <p:cNvPr id="46" name="Rectangle 45">
             <a:extLst>
               <a:ext uri="{FF2B5EF4-FFF2-40B4-BE49-F238E27FC236}">
-                <a16:creationId xmlns:a16="http://schemas.microsoft.com/office/drawing/2014/main" id="{4845A0EE-C4C8-4AE1-B3C6-1261368AC036}"/>
+                <a16:creationId xmlns:a16="http://schemas.microsoft.com/office/drawing/2014/main" id="{72018E1B-E0B9-4440-AFF3-4112E50A2763}"/>
               </a:ext>
               <a:ext uri="{C183D7F6-B498-43B3-948B-1728B52AA6E4}">
                 <adec:decorative xmlns:adec="http://schemas.microsoft.com/office/drawing/2017/decorative" val="1"/>
@@ -6341,15 +6341,12 @@
         </p:nvSpPr>
         <p:spPr>
           <a:xfrm>
-            <a:off x="0" y="0"/>
-            <a:ext cx="5468548" cy="6858000"/>
+            <a:off x="-1" y="0"/>
+            <a:ext cx="12188952" cy="6858000"/>
           </a:xfrm>
           <a:prstGeom prst="rect">
             <a:avLst/>
           </a:prstGeom>
-          <a:solidFill>
-            <a:schemeClr val="accent1"/>
-          </a:solidFill>
           <a:ln>
             <a:noFill/>
           </a:ln>
@@ -6379,6 +6376,78 @@
           </a:p>
         </p:txBody>
       </p:sp>
+      <p:sp>
+        <p:nvSpPr>
+          <p:cNvPr id="2" name="Título 1">
+            <a:extLst>
+              <a:ext uri="{FF2B5EF4-FFF2-40B4-BE49-F238E27FC236}">
+                <a16:creationId xmlns:a16="http://schemas.microsoft.com/office/drawing/2014/main" id="{17A28ABC-AE90-4DE6-8B8B-17A3757D3428}"/>
+              </a:ext>
+            </a:extLst>
+          </p:cNvPr>
+          <p:cNvSpPr>
+            <a:spLocks noGrp="1"/>
+          </p:cNvSpPr>
+          <p:nvPr>
+            <p:ph type="title"/>
+          </p:nvPr>
+        </p:nvSpPr>
+        <p:spPr>
+          <a:xfrm>
+            <a:off x="838200" y="3514853"/>
+            <a:ext cx="10515600" cy="2614235"/>
+          </a:xfrm>
+        </p:spPr>
+        <p:txBody>
+          <a:bodyPr vert="horz" lIns="91440" tIns="45720" rIns="91440" bIns="45720" rtlCol="0" anchor="ctr">
+            <a:normAutofit/>
+          </a:bodyPr>
+          <a:lstStyle/>
+          <a:p>
+            <a:pPr algn="ctr"/>
+            <a:r>
+              <a:rPr lang="en-US" sz="5200" kern="1200">
+                <a:solidFill>
+                  <a:schemeClr val="tx1"/>
+                </a:solidFill>
+                <a:latin typeface="+mj-lt"/>
+                <a:ea typeface="+mj-ea"/>
+                <a:cs typeface="+mj-cs"/>
+              </a:rPr>
+              <a:t>Prueba 5</a:t>
+            </a:r>
+          </a:p>
+        </p:txBody>
+      </p:sp>
+      <p:pic>
+        <p:nvPicPr>
+          <p:cNvPr id="11" name="Imagen 10">
+            <a:extLst>
+              <a:ext uri="{FF2B5EF4-FFF2-40B4-BE49-F238E27FC236}">
+                <a16:creationId xmlns:a16="http://schemas.microsoft.com/office/drawing/2014/main" id="{F828C88E-3845-4CD1-A93F-B3ACCFBC0A4C}"/>
+              </a:ext>
+            </a:extLst>
+          </p:cNvPr>
+          <p:cNvPicPr>
+            <a:picLocks noChangeAspect="1"/>
+          </p:cNvPicPr>
+          <p:nvPr/>
+        </p:nvPicPr>
+        <p:blipFill rotWithShape="1">
+          <a:blip r:embed="rId2"/>
+          <a:srcRect r="61220" b="-2"/>
+          <a:stretch/>
+        </p:blipFill>
+        <p:spPr>
+          <a:xfrm>
+            <a:off x="4918129" y="187900"/>
+            <a:ext cx="2255462" cy="3155238"/>
+          </a:xfrm>
+          <a:prstGeom prst="rect">
+            <a:avLst/>
+          </a:prstGeom>
+        </p:spPr>
+      </p:pic>
       <p:pic>
         <p:nvPicPr>
           <p:cNvPr id="5" name="Marcador de contenido 4" descr="Texto&#10;&#10;Descripción generada automáticamente">
@@ -6395,17 +6464,19 @@
             <p:ph idx="1"/>
           </p:nvPr>
         </p:nvPicPr>
-        <p:blipFill>
-          <a:blip r:embed="rId2"/>
-          <a:stretch>
-            <a:fillRect/>
-          </a:stretch>
+        <p:blipFill rotWithShape="1">
+          <a:blip r:embed="rId3"/>
+          <a:srcRect l="3508" r="23904" b="3"/>
+          <a:stretch/>
         </p:blipFill>
         <p:spPr>
           <a:xfrm>
-            <a:off x="6262688" y="639763"/>
-            <a:ext cx="2840038" cy="2884488"/>
+            <a:off x="208647" y="179808"/>
+            <a:ext cx="2255462" cy="3155238"/>
           </a:xfrm>
+          <a:prstGeom prst="rect">
+            <a:avLst/>
+          </a:prstGeom>
         </p:spPr>
       </p:pic>
       <p:pic>
@@ -6422,16 +6493,15 @@
           </p:cNvPicPr>
           <p:nvPr/>
         </p:nvPicPr>
-        <p:blipFill>
-          <a:blip r:embed="rId3"/>
-          <a:stretch>
-            <a:fillRect/>
-          </a:stretch>
+        <p:blipFill rotWithShape="1">
+          <a:blip r:embed="rId4"/>
+          <a:srcRect r="33881" b="4"/>
+          <a:stretch/>
         </p:blipFill>
         <p:spPr>
           <a:xfrm>
-            <a:off x="6262688" y="3592513"/>
-            <a:ext cx="2840038" cy="2625725"/>
+            <a:off x="2578567" y="187900"/>
+            <a:ext cx="2255462" cy="3155238"/>
           </a:xfrm>
           <a:prstGeom prst="rect">
             <a:avLst/>
@@ -6440,10 +6510,10 @@
       </p:pic>
       <p:pic>
         <p:nvPicPr>
-          <p:cNvPr id="9" name="Imagen 8" descr="Texto&#10;&#10;Descripción generada automáticamente">
+          <p:cNvPr id="13" name="Imagen 12">
             <a:extLst>
               <a:ext uri="{FF2B5EF4-FFF2-40B4-BE49-F238E27FC236}">
-                <a16:creationId xmlns:a16="http://schemas.microsoft.com/office/drawing/2014/main" id="{0F056445-D6E9-4AAF-B38D-3081E02EEEA1}"/>
+                <a16:creationId xmlns:a16="http://schemas.microsoft.com/office/drawing/2014/main" id="{E5F639D6-195E-4F50-8CFD-3A33A4A9E7CA}"/>
               </a:ext>
             </a:extLst>
           </p:cNvPr>
@@ -6452,65 +6522,50 @@
           </p:cNvPicPr>
           <p:nvPr/>
         </p:nvPicPr>
-        <p:blipFill>
-          <a:blip r:embed="rId4"/>
-          <a:stretch>
-            <a:fillRect/>
-          </a:stretch>
+        <p:blipFill rotWithShape="1">
+          <a:blip r:embed="rId5"/>
+          <a:srcRect r="60862" b="-3"/>
+          <a:stretch/>
         </p:blipFill>
         <p:spPr>
           <a:xfrm>
-            <a:off x="9170988" y="639763"/>
-            <a:ext cx="2219325" cy="5578475"/>
+            <a:off x="7357971" y="187900"/>
+            <a:ext cx="2255462" cy="3155238"/>
           </a:xfrm>
           <a:prstGeom prst="rect">
             <a:avLst/>
           </a:prstGeom>
         </p:spPr>
       </p:pic>
-      <p:sp>
-        <p:nvSpPr>
-          <p:cNvPr id="2" name="Título 1">
+      <p:pic>
+        <p:nvPicPr>
+          <p:cNvPr id="18" name="Imagen 17">
             <a:extLst>
               <a:ext uri="{FF2B5EF4-FFF2-40B4-BE49-F238E27FC236}">
-                <a16:creationId xmlns:a16="http://schemas.microsoft.com/office/drawing/2014/main" id="{17A28ABC-AE90-4DE6-8B8B-17A3757D3428}"/>
+                <a16:creationId xmlns:a16="http://schemas.microsoft.com/office/drawing/2014/main" id="{344DBA5E-F284-40D8-B500-1906298B5267}"/>
               </a:ext>
             </a:extLst>
           </p:cNvPr>
-          <p:cNvSpPr>
-            <a:spLocks noGrp="1"/>
-          </p:cNvSpPr>
-          <p:nvPr>
-            <p:ph type="title"/>
-          </p:nvPr>
-        </p:nvSpPr>
+          <p:cNvPicPr>
+            <a:picLocks noChangeAspect="1"/>
+          </p:cNvPicPr>
+          <p:nvPr/>
+        </p:nvPicPr>
+        <p:blipFill rotWithShape="1">
+          <a:blip r:embed="rId5"/>
+          <a:srcRect r="60862" b="-3"/>
+          <a:stretch/>
+        </p:blipFill>
         <p:spPr>
           <a:xfrm>
-            <a:off x="621629" y="640080"/>
-            <a:ext cx="4225290" cy="5578816"/>
+            <a:off x="9749109" y="187900"/>
+            <a:ext cx="2255462" cy="3155238"/>
           </a:xfrm>
+          <a:prstGeom prst="rect">
+            <a:avLst/>
+          </a:prstGeom>
         </p:spPr>
-        <p:txBody>
-          <a:bodyPr vert="horz" lIns="91440" tIns="45720" rIns="91440" bIns="45720" rtlCol="0" anchor="ctr">
-            <a:normAutofit/>
-          </a:bodyPr>
-          <a:lstStyle/>
-          <a:p>
-            <a:pPr algn="ctr"/>
-            <a:r>
-              <a:rPr lang="en-US" kern="1200">
-                <a:solidFill>
-                  <a:srgbClr val="FFFFFF"/>
-                </a:solidFill>
-                <a:latin typeface="+mj-lt"/>
-                <a:ea typeface="+mj-ea"/>
-                <a:cs typeface="+mj-cs"/>
-              </a:rPr>
-              <a:t>Prueba 5</a:t>
-            </a:r>
-          </a:p>
-        </p:txBody>
-      </p:sp>
+      </p:pic>
     </p:spTree>
     <p:extLst>
       <p:ext uri="{BB962C8B-B14F-4D97-AF65-F5344CB8AC3E}">
@@ -7968,64 +8023,6 @@
           </p:txBody>
         </p:sp>
       </p:grpSp>
-      <p:pic>
-        <p:nvPicPr>
-          <p:cNvPr id="5" name="Imagen 4" descr="Texto&#10;&#10;Descripción generada automáticamente">
-            <a:extLst>
-              <a:ext uri="{FF2B5EF4-FFF2-40B4-BE49-F238E27FC236}">
-                <a16:creationId xmlns:a16="http://schemas.microsoft.com/office/drawing/2014/main" id="{914E6AA8-37C1-440B-A4A5-58B330A6F469}"/>
-              </a:ext>
-            </a:extLst>
-          </p:cNvPr>
-          <p:cNvPicPr>
-            <a:picLocks noChangeAspect="1"/>
-          </p:cNvPicPr>
-          <p:nvPr/>
-        </p:nvPicPr>
-        <p:blipFill rotWithShape="1">
-          <a:blip r:embed="rId2"/>
-          <a:srcRect l="4240" r="21789"/>
-          <a:stretch/>
-        </p:blipFill>
-        <p:spPr>
-          <a:xfrm>
-            <a:off x="224949" y="576072"/>
-            <a:ext cx="3919228" cy="5522976"/>
-          </a:xfrm>
-          <a:prstGeom prst="rect">
-            <a:avLst/>
-          </a:prstGeom>
-        </p:spPr>
-      </p:pic>
-      <p:pic>
-        <p:nvPicPr>
-          <p:cNvPr id="7" name="Imagen 6" descr="Texto&#10;&#10;Descripción generada automáticamente">
-            <a:extLst>
-              <a:ext uri="{FF2B5EF4-FFF2-40B4-BE49-F238E27FC236}">
-                <a16:creationId xmlns:a16="http://schemas.microsoft.com/office/drawing/2014/main" id="{A619E500-7BB3-465A-B091-38615522FFD2}"/>
-              </a:ext>
-            </a:extLst>
-          </p:cNvPr>
-          <p:cNvPicPr>
-            <a:picLocks noChangeAspect="1"/>
-          </p:cNvPicPr>
-          <p:nvPr/>
-        </p:nvPicPr>
-        <p:blipFill rotWithShape="1">
-          <a:blip r:embed="rId3"/>
-          <a:srcRect b="12379"/>
-          <a:stretch/>
-        </p:blipFill>
-        <p:spPr>
-          <a:xfrm>
-            <a:off x="4346544" y="576072"/>
-            <a:ext cx="3922776" cy="5522976"/>
-          </a:xfrm>
-          <a:prstGeom prst="rect">
-            <a:avLst/>
-          </a:prstGeom>
-        </p:spPr>
-      </p:pic>
       <p:sp>
         <p:nvSpPr>
           <p:cNvPr id="69" name="Rectangle 68">
@@ -8092,6 +8089,36 @@
           </a:p>
         </p:txBody>
       </p:sp>
+      <p:pic>
+        <p:nvPicPr>
+          <p:cNvPr id="4" name="Imagen 3">
+            <a:extLst>
+              <a:ext uri="{FF2B5EF4-FFF2-40B4-BE49-F238E27FC236}">
+                <a16:creationId xmlns:a16="http://schemas.microsoft.com/office/drawing/2014/main" id="{5201106A-6B24-4C0F-8EFB-F2721650AA43}"/>
+              </a:ext>
+            </a:extLst>
+          </p:cNvPr>
+          <p:cNvPicPr>
+            <a:picLocks noChangeAspect="1"/>
+          </p:cNvPicPr>
+          <p:nvPr/>
+        </p:nvPicPr>
+        <p:blipFill>
+          <a:blip r:embed="rId2"/>
+          <a:stretch>
+            <a:fillRect/>
+          </a:stretch>
+        </p:blipFill>
+        <p:spPr>
+          <a:xfrm>
+            <a:off x="2151126" y="306115"/>
+            <a:ext cx="3943350" cy="5610225"/>
+          </a:xfrm>
+          <a:prstGeom prst="rect">
+            <a:avLst/>
+          </a:prstGeom>
+        </p:spPr>
+      </p:pic>
     </p:spTree>
     <p:extLst>
       <p:ext uri="{BB962C8B-B14F-4D97-AF65-F5344CB8AC3E}">
@@ -8222,132 +8249,66 @@
           <a:chExt cx="0" cy="0"/>
         </a:xfrm>
       </p:grpSpPr>
-      <p:sp>
-        <p:nvSpPr>
-          <p:cNvPr id="10" name="Rectangle 9">
+      <p:pic>
+        <p:nvPicPr>
+          <p:cNvPr id="78" name="Imagen 77" descr="Texto&#10;&#10;Descripción generada automáticamente">
             <a:extLst>
               <a:ext uri="{FF2B5EF4-FFF2-40B4-BE49-F238E27FC236}">
-                <a16:creationId xmlns:a16="http://schemas.microsoft.com/office/drawing/2014/main" id="{6753252F-4873-4F63-801D-CC719279A7D5}"/>
-              </a:ext>
-              <a:ext uri="{C183D7F6-B498-43B3-948B-1728B52AA6E4}">
-                <adec:decorative xmlns:adec="http://schemas.microsoft.com/office/drawing/2017/decorative" val="1"/>
+                <a16:creationId xmlns:a16="http://schemas.microsoft.com/office/drawing/2014/main" id="{C45B6247-4733-4CE2-95F4-6D7E55C49DFA}"/>
               </a:ext>
             </a:extLst>
           </p:cNvPr>
-          <p:cNvSpPr>
-            <a:spLocks noGrp="1" noRot="1" noChangeAspect="1" noMove="1" noResize="1" noEditPoints="1" noAdjustHandles="1" noChangeArrowheads="1" noChangeShapeType="1" noTextEdit="1"/>
-          </p:cNvSpPr>
-          <p:nvPr>
-            <p:extLst>
-              <p:ext uri="{386F3935-93C4-4BCD-93E2-E3B085C9AB24}">
-                <p16:designElem xmlns:p16="http://schemas.microsoft.com/office/powerpoint/2015/main" val="1"/>
-              </p:ext>
-            </p:extLst>
-          </p:nvPr>
-        </p:nvSpPr>
+          <p:cNvPicPr>
+            <a:picLocks noChangeAspect="1"/>
+          </p:cNvPicPr>
+          <p:nvPr/>
+        </p:nvPicPr>
+        <p:blipFill>
+          <a:blip r:embed="rId2"/>
+          <a:stretch>
+            <a:fillRect/>
+          </a:stretch>
+        </p:blipFill>
         <p:spPr>
           <a:xfrm>
-            <a:off x="0" y="0"/>
-            <a:ext cx="12192000" cy="6858000"/>
+            <a:off x="4038600" y="1504950"/>
+            <a:ext cx="3005138" cy="3841750"/>
           </a:xfrm>
           <a:prstGeom prst="rect">
             <a:avLst/>
           </a:prstGeom>
-          <a:solidFill>
-            <a:srgbClr val="FFFFFF"/>
-          </a:solidFill>
-          <a:ln>
-            <a:noFill/>
-          </a:ln>
         </p:spPr>
-        <p:style>
-          <a:lnRef idx="2">
-            <a:schemeClr val="accent1">
-              <a:shade val="50000"/>
-            </a:schemeClr>
-          </a:lnRef>
-          <a:fillRef idx="1">
-            <a:schemeClr val="accent1"/>
-          </a:fillRef>
-          <a:effectRef idx="0">
-            <a:schemeClr val="accent1"/>
-          </a:effectRef>
-          <a:fontRef idx="minor">
-            <a:schemeClr val="lt1"/>
-          </a:fontRef>
-        </p:style>
-        <p:txBody>
-          <a:bodyPr rtlCol="0" anchor="ctr"/>
-          <a:lstStyle/>
-          <a:p>
-            <a:pPr algn="ctr"/>
-            <a:endParaRPr lang="en-US"/>
-          </a:p>
-        </p:txBody>
-      </p:sp>
-      <p:sp>
-        <p:nvSpPr>
-          <p:cNvPr id="79" name="Rectangle 11">
+      </p:pic>
+      <p:pic>
+        <p:nvPicPr>
+          <p:cNvPr id="81" name="Imagen 80" descr="Texto&#10;&#10;Descripción generada automáticamente">
             <a:extLst>
               <a:ext uri="{FF2B5EF4-FFF2-40B4-BE49-F238E27FC236}">
-                <a16:creationId xmlns:a16="http://schemas.microsoft.com/office/drawing/2014/main" id="{047C8CCB-F95D-4249-92DD-651249D3535A}"/>
-              </a:ext>
-              <a:ext uri="{C183D7F6-B498-43B3-948B-1728B52AA6E4}">
-                <adec:decorative xmlns:adec="http://schemas.microsoft.com/office/drawing/2017/decorative" val="1"/>
+                <a16:creationId xmlns:a16="http://schemas.microsoft.com/office/drawing/2014/main" id="{E7A10670-6EFE-4393-B781-2E9F829C110A}"/>
               </a:ext>
             </a:extLst>
           </p:cNvPr>
-          <p:cNvSpPr>
-            <a:spLocks noGrp="1" noRot="1" noChangeAspect="1" noMove="1" noResize="1" noEditPoints="1" noAdjustHandles="1" noChangeArrowheads="1" noChangeShapeType="1" noTextEdit="1"/>
-          </p:cNvSpPr>
-          <p:nvPr>
-            <p:extLst>
-              <p:ext uri="{386F3935-93C4-4BCD-93E2-E3B085C9AB24}">
-                <p16:designElem xmlns:p16="http://schemas.microsoft.com/office/powerpoint/2015/main" val="1"/>
-              </p:ext>
-            </p:extLst>
-          </p:nvPr>
-        </p:nvSpPr>
+          <p:cNvPicPr>
+            <a:picLocks noChangeAspect="1"/>
+          </p:cNvPicPr>
+          <p:nvPr/>
+        </p:nvPicPr>
+        <p:blipFill>
+          <a:blip r:embed="rId3"/>
+          <a:stretch>
+            <a:fillRect/>
+          </a:stretch>
+        </p:blipFill>
         <p:spPr>
           <a:xfrm>
-            <a:off x="0" y="0"/>
-            <a:ext cx="2013557" cy="6858000"/>
+            <a:off x="7092950" y="1504950"/>
+            <a:ext cx="4133850" cy="3841750"/>
           </a:xfrm>
           <a:prstGeom prst="rect">
             <a:avLst/>
           </a:prstGeom>
-          <a:solidFill>
-            <a:srgbClr val="23512D"/>
-          </a:solidFill>
-          <a:ln>
-            <a:noFill/>
-          </a:ln>
         </p:spPr>
-        <p:style>
-          <a:lnRef idx="2">
-            <a:schemeClr val="accent1">
-              <a:shade val="50000"/>
-            </a:schemeClr>
-          </a:lnRef>
-          <a:fillRef idx="1">
-            <a:schemeClr val="accent1"/>
-          </a:fillRef>
-          <a:effectRef idx="0">
-            <a:schemeClr val="accent1"/>
-          </a:effectRef>
-          <a:fontRef idx="minor">
-            <a:schemeClr val="lt1"/>
-          </a:fontRef>
-        </p:style>
-        <p:txBody>
-          <a:bodyPr rtlCol="0" anchor="ctr"/>
-          <a:lstStyle/>
-          <a:p>
-            <a:pPr algn="ctr"/>
-            <a:endParaRPr lang="en-US"/>
-          </a:p>
-        </p:txBody>
-      </p:sp>
+      </p:pic>
       <p:sp>
         <p:nvSpPr>
           <p:cNvPr id="2" name="Título 1">
@@ -8373,11 +8334,17 @@
             <a:avLst/>
           </a:prstGeom>
           <a:solidFill>
-            <a:srgbClr val="262626"/>
+            <a:schemeClr val="tx1">
+              <a:lumMod val="85000"/>
+              <a:lumOff val="15000"/>
+            </a:schemeClr>
           </a:solidFill>
           <a:ln w="174625" cmpd="thinThick">
             <a:solidFill>
-              <a:srgbClr val="262626"/>
+              <a:schemeClr val="tx1">
+                <a:lumMod val="85000"/>
+                <a:lumOff val="15000"/>
+              </a:schemeClr>
             </a:solidFill>
           </a:ln>
         </p:spPr>
@@ -8391,7 +8358,7 @@
             <a:r>
               <a:rPr lang="en-US" sz="2200" kern="1200">
                 <a:solidFill>
-                  <a:srgbClr val="FFFFFF"/>
+                  <a:schemeClr val="bg1"/>
                 </a:solidFill>
                 <a:latin typeface="+mj-lt"/>
                 <a:ea typeface="+mj-ea"/>
@@ -8402,38 +8369,6 @@
           </a:p>
         </p:txBody>
       </p:sp>
-      <p:pic>
-        <p:nvPicPr>
-          <p:cNvPr id="5" name="Marcador de contenido 4" descr="Texto&#10;&#10;Descripción generada automáticamente">
-            <a:extLst>
-              <a:ext uri="{FF2B5EF4-FFF2-40B4-BE49-F238E27FC236}">
-                <a16:creationId xmlns:a16="http://schemas.microsoft.com/office/drawing/2014/main" id="{0276AF5C-3AE0-4DC7-A4FD-071813E4A73F}"/>
-              </a:ext>
-            </a:extLst>
-          </p:cNvPr>
-          <p:cNvPicPr>
-            <a:picLocks noGrp="1" noChangeAspect="1"/>
-          </p:cNvPicPr>
-          <p:nvPr>
-            <p:ph idx="1"/>
-          </p:nvPr>
-        </p:nvPicPr>
-        <p:blipFill>
-          <a:blip r:embed="rId2"/>
-          <a:stretch>
-            <a:fillRect/>
-          </a:stretch>
-        </p:blipFill>
-        <p:spPr>
-          <a:xfrm>
-            <a:off x="6560210" y="961812"/>
-            <a:ext cx="2144978" cy="4930987"/>
-          </a:xfrm>
-          <a:prstGeom prst="rect">
-            <a:avLst/>
-          </a:prstGeom>
-        </p:spPr>
-      </p:pic>
     </p:spTree>
     <p:extLst>
       <p:ext uri="{BB962C8B-B14F-4D97-AF65-F5344CB8AC3E}">
